--- a/辅助文件/封面生成器.pptx
+++ b/辅助文件/封面生成器.pptx
@@ -104,6 +104,11 @@
       </a:defRPr>
     </a:lvl9pPr>
   </p:defaultTextStyle>
+  <p:extLst>
+    <p:ext uri="{EFAFB233-063F-42B5-8137-9DF3F51BA10A}">
+      <p15:sldGuideLst xmlns:p15="http://schemas.microsoft.com/office/powerpoint/2012/main"/>
+    </p:ext>
+  </p:extLst>
 </p:presentation>
 </file>
 
@@ -254,7 +259,7 @@
           <a:p>
             <a:fld id="{3E6C2C35-C331-4EAE-B00D-4B94BDC40595}" type="datetimeFigureOut">
               <a:rPr lang="zh-CN" altLang="en-US" smtClean="0"/>
-              <a:t>2021/10/26</a:t>
+              <a:t>2021/10/27</a:t>
             </a:fld>
             <a:endParaRPr lang="zh-CN" altLang="en-US"/>
           </a:p>
@@ -452,7 +457,7 @@
           <a:p>
             <a:fld id="{3E6C2C35-C331-4EAE-B00D-4B94BDC40595}" type="datetimeFigureOut">
               <a:rPr lang="zh-CN" altLang="en-US" smtClean="0"/>
-              <a:t>2021/10/26</a:t>
+              <a:t>2021/10/27</a:t>
             </a:fld>
             <a:endParaRPr lang="zh-CN" altLang="en-US"/>
           </a:p>
@@ -660,7 +665,7 @@
           <a:p>
             <a:fld id="{3E6C2C35-C331-4EAE-B00D-4B94BDC40595}" type="datetimeFigureOut">
               <a:rPr lang="zh-CN" altLang="en-US" smtClean="0"/>
-              <a:t>2021/10/26</a:t>
+              <a:t>2021/10/27</a:t>
             </a:fld>
             <a:endParaRPr lang="zh-CN" altLang="en-US"/>
           </a:p>
@@ -858,7 +863,7 @@
           <a:p>
             <a:fld id="{3E6C2C35-C331-4EAE-B00D-4B94BDC40595}" type="datetimeFigureOut">
               <a:rPr lang="zh-CN" altLang="en-US" smtClean="0"/>
-              <a:t>2021/10/26</a:t>
+              <a:t>2021/10/27</a:t>
             </a:fld>
             <a:endParaRPr lang="zh-CN" altLang="en-US"/>
           </a:p>
@@ -1133,7 +1138,7 @@
           <a:p>
             <a:fld id="{3E6C2C35-C331-4EAE-B00D-4B94BDC40595}" type="datetimeFigureOut">
               <a:rPr lang="zh-CN" altLang="en-US" smtClean="0"/>
-              <a:t>2021/10/26</a:t>
+              <a:t>2021/10/27</a:t>
             </a:fld>
             <a:endParaRPr lang="zh-CN" altLang="en-US"/>
           </a:p>
@@ -1398,7 +1403,7 @@
           <a:p>
             <a:fld id="{3E6C2C35-C331-4EAE-B00D-4B94BDC40595}" type="datetimeFigureOut">
               <a:rPr lang="zh-CN" altLang="en-US" smtClean="0"/>
-              <a:t>2021/10/26</a:t>
+              <a:t>2021/10/27</a:t>
             </a:fld>
             <a:endParaRPr lang="zh-CN" altLang="en-US"/>
           </a:p>
@@ -1810,7 +1815,7 @@
           <a:p>
             <a:fld id="{3E6C2C35-C331-4EAE-B00D-4B94BDC40595}" type="datetimeFigureOut">
               <a:rPr lang="zh-CN" altLang="en-US" smtClean="0"/>
-              <a:t>2021/10/26</a:t>
+              <a:t>2021/10/27</a:t>
             </a:fld>
             <a:endParaRPr lang="zh-CN" altLang="en-US"/>
           </a:p>
@@ -1951,7 +1956,7 @@
           <a:p>
             <a:fld id="{3E6C2C35-C331-4EAE-B00D-4B94BDC40595}" type="datetimeFigureOut">
               <a:rPr lang="zh-CN" altLang="en-US" smtClean="0"/>
-              <a:t>2021/10/26</a:t>
+              <a:t>2021/10/27</a:t>
             </a:fld>
             <a:endParaRPr lang="zh-CN" altLang="en-US"/>
           </a:p>
@@ -2064,7 +2069,7 @@
           <a:p>
             <a:fld id="{3E6C2C35-C331-4EAE-B00D-4B94BDC40595}" type="datetimeFigureOut">
               <a:rPr lang="zh-CN" altLang="en-US" smtClean="0"/>
-              <a:t>2021/10/26</a:t>
+              <a:t>2021/10/27</a:t>
             </a:fld>
             <a:endParaRPr lang="zh-CN" altLang="en-US"/>
           </a:p>
@@ -2375,7 +2380,7 @@
           <a:p>
             <a:fld id="{3E6C2C35-C331-4EAE-B00D-4B94BDC40595}" type="datetimeFigureOut">
               <a:rPr lang="zh-CN" altLang="en-US" smtClean="0"/>
-              <a:t>2021/10/26</a:t>
+              <a:t>2021/10/27</a:t>
             </a:fld>
             <a:endParaRPr lang="zh-CN" altLang="en-US"/>
           </a:p>
@@ -2663,7 +2668,7 @@
           <a:p>
             <a:fld id="{3E6C2C35-C331-4EAE-B00D-4B94BDC40595}" type="datetimeFigureOut">
               <a:rPr lang="zh-CN" altLang="en-US" smtClean="0"/>
-              <a:t>2021/10/26</a:t>
+              <a:t>2021/10/27</a:t>
             </a:fld>
             <a:endParaRPr lang="zh-CN" altLang="en-US"/>
           </a:p>
@@ -2904,7 +2909,7 @@
           <a:p>
             <a:fld id="{3E6C2C35-C331-4EAE-B00D-4B94BDC40595}" type="datetimeFigureOut">
               <a:rPr lang="zh-CN" altLang="en-US" smtClean="0"/>
-              <a:t>2021/10/26</a:t>
+              <a:t>2021/10/27</a:t>
             </a:fld>
             <a:endParaRPr lang="zh-CN" altLang="en-US"/>
           </a:p>
@@ -3373,37 +3378,20 @@
             <p:ph type="ctrTitle"/>
           </p:nvPr>
         </p:nvSpPr>
-        <p:spPr/>
-        <p:txBody>
-          <a:bodyPr/>
-          <a:lstStyle/>
-          <a:p>
-            <a:endParaRPr lang="zh-CN" altLang="en-US"/>
-          </a:p>
-        </p:txBody>
-      </p:sp>
-      <p:sp>
-        <p:nvSpPr>
-          <p:cNvPr id="3" name="副标题 2">
-            <a:extLst>
-              <a:ext uri="{FF2B5EF4-FFF2-40B4-BE49-F238E27FC236}">
-                <a16:creationId xmlns:a16="http://schemas.microsoft.com/office/drawing/2014/main" id="{C4B66A17-FEFD-455F-91D5-7CFF1DE86E75}"/>
-              </a:ext>
-            </a:extLst>
-          </p:cNvPr>
-          <p:cNvSpPr>
-            <a:spLocks noGrp="1"/>
-          </p:cNvSpPr>
-          <p:nvPr>
-            <p:ph type="subTitle" idx="1"/>
-          </p:nvPr>
-        </p:nvSpPr>
-        <p:spPr/>
-        <p:txBody>
-          <a:bodyPr/>
-          <a:lstStyle/>
-          <a:p>
-            <a:endParaRPr lang="zh-CN" altLang="en-US"/>
+        <p:spPr>
+          <a:xfrm>
+            <a:off x="1524000" y="1631410"/>
+            <a:ext cx="9144000" cy="2387600"/>
+          </a:xfrm>
+        </p:spPr>
+        <p:txBody>
+          <a:bodyPr/>
+          <a:lstStyle/>
+          <a:p>
+            <a:r>
+              <a:rPr lang="zh-CN" altLang="en-US" dirty="0"/>
+              <a:t>获取当前进程用户名</a:t>
+            </a:r>
           </a:p>
         </p:txBody>
       </p:sp>
